--- a/262/Lectures/Ch4IntellectualIntangibleProperty.pptx
+++ b/262/Lectures/Ch4IntellectualIntangibleProperty.pptx
@@ -209,6 +209,22 @@
       </a:defRPr>
     </a:lvl9pPr>
   </p:defaultTextStyle>
+  <p:extLst>
+    <p:ext uri="{EFAFB233-063F-42B5-8137-9DF3F51BA10A}">
+      <p15:sldGuideLst xmlns:p15="http://schemas.microsoft.com/office/powerpoint/2012/main">
+        <p15:guide id="1" orient="horz" pos="2160">
+          <p15:clr>
+            <a:srgbClr val="A4A3A4"/>
+          </p15:clr>
+        </p15:guide>
+        <p15:guide id="2" pos="2880">
+          <p15:clr>
+            <a:srgbClr val="A4A3A4"/>
+          </p15:clr>
+        </p15:guide>
+      </p15:sldGuideLst>
+    </p:ext>
+  </p:extLst>
 </p:presentation>
 </file>
 
@@ -321,7 +337,7 @@
               <a:pPr>
                 <a:defRPr/>
               </a:pPr>
-              <a:t>2/24/2014</a:t>
+              <a:t>10/7/2014</a:t>
             </a:fld>
             <a:endParaRPr lang="en-US"/>
           </a:p>
@@ -778,6 +794,11 @@
         </p:txBody>
       </p:sp>
     </p:spTree>
+    <p:extLst>
+      <p:ext uri="{BB962C8B-B14F-4D97-AF65-F5344CB8AC3E}">
+        <p14:creationId xmlns:p14="http://schemas.microsoft.com/office/powerpoint/2010/main" val="1914940306"/>
+      </p:ext>
+    </p:extLst>
   </p:cSld>
   <p:clrMapOvr>
     <a:masterClrMapping/>
@@ -911,6 +932,11 @@
         </p:txBody>
       </p:sp>
     </p:spTree>
+    <p:extLst>
+      <p:ext uri="{BB962C8B-B14F-4D97-AF65-F5344CB8AC3E}">
+        <p14:creationId xmlns:p14="http://schemas.microsoft.com/office/powerpoint/2010/main" val="2722588164"/>
+      </p:ext>
+    </p:extLst>
   </p:cSld>
   <p:clrMapOvr>
     <a:masterClrMapping/>
@@ -1044,6 +1070,11 @@
         </p:txBody>
       </p:sp>
     </p:spTree>
+    <p:extLst>
+      <p:ext uri="{BB962C8B-B14F-4D97-AF65-F5344CB8AC3E}">
+        <p14:creationId xmlns:p14="http://schemas.microsoft.com/office/powerpoint/2010/main" val="2488817048"/>
+      </p:ext>
+    </p:extLst>
   </p:cSld>
   <p:clrMapOvr>
     <a:masterClrMapping/>
@@ -1177,6 +1208,11 @@
         </p:txBody>
       </p:sp>
     </p:spTree>
+    <p:extLst>
+      <p:ext uri="{BB962C8B-B14F-4D97-AF65-F5344CB8AC3E}">
+        <p14:creationId xmlns:p14="http://schemas.microsoft.com/office/powerpoint/2010/main" val="2201218366"/>
+      </p:ext>
+    </p:extLst>
   </p:cSld>
   <p:clrMapOvr>
     <a:masterClrMapping/>
@@ -1310,6 +1346,11 @@
         </p:txBody>
       </p:sp>
     </p:spTree>
+    <p:extLst>
+      <p:ext uri="{BB962C8B-B14F-4D97-AF65-F5344CB8AC3E}">
+        <p14:creationId xmlns:p14="http://schemas.microsoft.com/office/powerpoint/2010/main" val="4247187298"/>
+      </p:ext>
+    </p:extLst>
   </p:cSld>
   <p:clrMapOvr>
     <a:masterClrMapping/>
@@ -1467,6 +1508,11 @@
         </p:txBody>
       </p:sp>
     </p:spTree>
+    <p:extLst>
+      <p:ext uri="{BB962C8B-B14F-4D97-AF65-F5344CB8AC3E}">
+        <p14:creationId xmlns:p14="http://schemas.microsoft.com/office/powerpoint/2010/main" val="482120613"/>
+      </p:ext>
+    </p:extLst>
   </p:cSld>
   <p:clrMapOvr>
     <a:masterClrMapping/>
@@ -1617,6 +1663,11 @@
         </p:txBody>
       </p:sp>
     </p:spTree>
+    <p:extLst>
+      <p:ext uri="{BB962C8B-B14F-4D97-AF65-F5344CB8AC3E}">
+        <p14:creationId xmlns:p14="http://schemas.microsoft.com/office/powerpoint/2010/main" val="2658280071"/>
+      </p:ext>
+    </p:extLst>
   </p:cSld>
   <p:clrMapOvr>
     <a:masterClrMapping/>
@@ -1833,6 +1884,14 @@
   <p:clrMapOvr>
     <a:masterClrMapping/>
   </p:clrMapOvr>
+  <mc:AlternateContent xmlns:mc="http://schemas.openxmlformats.org/markup-compatibility/2006" xmlns:p14="http://schemas.microsoft.com/office/powerpoint/2010/main">
+    <mc:Choice Requires="p14">
+      <p:transition spd="slow" p14:dur="2000"/>
+    </mc:Choice>
+    <mc:Fallback xmlns="">
+      <p:transition spd="slow"/>
+    </mc:Fallback>
+  </mc:AlternateContent>
 </p:sldLayout>
 </file>
 
@@ -2044,6 +2103,14 @@
   <p:clrMapOvr>
     <a:masterClrMapping/>
   </p:clrMapOvr>
+  <mc:AlternateContent xmlns:mc="http://schemas.openxmlformats.org/markup-compatibility/2006" xmlns:p14="http://schemas.microsoft.com/office/powerpoint/2010/main">
+    <mc:Choice Requires="p14">
+      <p:transition spd="slow" p14:dur="2000"/>
+    </mc:Choice>
+    <mc:Fallback xmlns="">
+      <p:transition spd="slow"/>
+    </mc:Fallback>
+  </mc:AlternateContent>
 </p:sldLayout>
 </file>
 
@@ -2265,6 +2332,14 @@
   <p:clrMapOvr>
     <a:masterClrMapping/>
   </p:clrMapOvr>
+  <mc:AlternateContent xmlns:mc="http://schemas.openxmlformats.org/markup-compatibility/2006" xmlns:p14="http://schemas.microsoft.com/office/powerpoint/2010/main">
+    <mc:Choice Requires="p14">
+      <p:transition spd="slow" p14:dur="2000"/>
+    </mc:Choice>
+    <mc:Fallback xmlns="">
+      <p:transition spd="slow"/>
+    </mc:Fallback>
+  </mc:AlternateContent>
 </p:sldLayout>
 </file>
 
@@ -2433,6 +2508,14 @@
   <p:clrMapOvr>
     <a:masterClrMapping/>
   </p:clrMapOvr>
+  <mc:AlternateContent xmlns:mc="http://schemas.openxmlformats.org/markup-compatibility/2006" xmlns:p14="http://schemas.microsoft.com/office/powerpoint/2010/main">
+    <mc:Choice Requires="p14">
+      <p:transition spd="slow" p14:dur="2000"/>
+    </mc:Choice>
+    <mc:Fallback xmlns="">
+      <p:transition spd="slow"/>
+    </mc:Fallback>
+  </mc:AlternateContent>
 </p:sldLayout>
 </file>
 
@@ -2720,6 +2803,14 @@
   <p:clrMapOvr>
     <a:masterClrMapping/>
   </p:clrMapOvr>
+  <mc:AlternateContent xmlns:mc="http://schemas.openxmlformats.org/markup-compatibility/2006" xmlns:p14="http://schemas.microsoft.com/office/powerpoint/2010/main">
+    <mc:Choice Requires="p14">
+      <p:transition spd="slow" p14:dur="2000"/>
+    </mc:Choice>
+    <mc:Fallback xmlns="">
+      <p:transition spd="slow"/>
+    </mc:Fallback>
+  </mc:AlternateContent>
 </p:sldLayout>
 </file>
 
@@ -3049,6 +3140,14 @@
   <p:clrMapOvr>
     <a:masterClrMapping/>
   </p:clrMapOvr>
+  <mc:AlternateContent xmlns:mc="http://schemas.openxmlformats.org/markup-compatibility/2006" xmlns:p14="http://schemas.microsoft.com/office/powerpoint/2010/main">
+    <mc:Choice Requires="p14">
+      <p:transition spd="slow" p14:dur="2000"/>
+    </mc:Choice>
+    <mc:Fallback xmlns="">
+      <p:transition spd="slow"/>
+    </mc:Fallback>
+  </mc:AlternateContent>
 </p:sldLayout>
 </file>
 
@@ -3512,6 +3611,14 @@
   <p:clrMapOvr>
     <a:masterClrMapping/>
   </p:clrMapOvr>
+  <mc:AlternateContent xmlns:mc="http://schemas.openxmlformats.org/markup-compatibility/2006" xmlns:p14="http://schemas.microsoft.com/office/powerpoint/2010/main">
+    <mc:Choice Requires="p14">
+      <p:transition spd="slow" p14:dur="2000"/>
+    </mc:Choice>
+    <mc:Fallback xmlns="">
+      <p:transition spd="slow"/>
+    </mc:Fallback>
+  </mc:AlternateContent>
 </p:sldLayout>
 </file>
 
@@ -3671,6 +3778,14 @@
   <p:clrMapOvr>
     <a:masterClrMapping/>
   </p:clrMapOvr>
+  <mc:AlternateContent xmlns:mc="http://schemas.openxmlformats.org/markup-compatibility/2006" xmlns:p14="http://schemas.microsoft.com/office/powerpoint/2010/main">
+    <mc:Choice Requires="p14">
+      <p:transition spd="slow" p14:dur="2000"/>
+    </mc:Choice>
+    <mc:Fallback xmlns="">
+      <p:transition spd="slow"/>
+    </mc:Fallback>
+  </mc:AlternateContent>
 </p:sldLayout>
 </file>
 
@@ -3807,6 +3922,14 @@
   <p:clrMapOvr>
     <a:masterClrMapping/>
   </p:clrMapOvr>
+  <mc:AlternateContent xmlns:mc="http://schemas.openxmlformats.org/markup-compatibility/2006" xmlns:p14="http://schemas.microsoft.com/office/powerpoint/2010/main">
+    <mc:Choice Requires="p14">
+      <p:transition spd="slow" p14:dur="2000"/>
+    </mc:Choice>
+    <mc:Fallback xmlns="">
+      <p:transition spd="slow"/>
+    </mc:Fallback>
+  </mc:AlternateContent>
 </p:sldLayout>
 </file>
 
@@ -4125,6 +4248,14 @@
   <p:clrMapOvr>
     <a:masterClrMapping/>
   </p:clrMapOvr>
+  <mc:AlternateContent xmlns:mc="http://schemas.openxmlformats.org/markup-compatibility/2006" xmlns:p14="http://schemas.microsoft.com/office/powerpoint/2010/main">
+    <mc:Choice Requires="p14">
+      <p:transition spd="slow" p14:dur="2000"/>
+    </mc:Choice>
+    <mc:Fallback xmlns="">
+      <p:transition spd="slow"/>
+    </mc:Fallback>
+  </mc:AlternateContent>
 </p:sldLayout>
 </file>
 
@@ -4426,6 +4557,14 @@
   <p:clrMapOvr>
     <a:masterClrMapping/>
   </p:clrMapOvr>
+  <mc:AlternateContent xmlns:mc="http://schemas.openxmlformats.org/markup-compatibility/2006" xmlns:p14="http://schemas.microsoft.com/office/powerpoint/2010/main">
+    <mc:Choice Requires="p14">
+      <p:transition spd="slow" p14:dur="2000"/>
+    </mc:Choice>
+    <mc:Fallback xmlns="">
+      <p:transition spd="slow"/>
+    </mc:Fallback>
+  </mc:AlternateContent>
 </p:sldLayout>
 </file>
 
@@ -4720,6 +4859,14 @@
     <p:sldLayoutId id="2147483681" r:id="rId10"/>
     <p:sldLayoutId id="2147483682" r:id="rId11"/>
   </p:sldLayoutIdLst>
+  <mc:AlternateContent xmlns:mc="http://schemas.openxmlformats.org/markup-compatibility/2006" xmlns:p14="http://schemas.microsoft.com/office/powerpoint/2010/main">
+    <mc:Choice Requires="p14">
+      <p:transition spd="slow" p14:dur="2000"/>
+    </mc:Choice>
+    <mc:Fallback xmlns="">
+      <p:transition spd="slow"/>
+    </mc:Fallback>
+  </mc:AlternateContent>
   <p:hf hdr="0" dt="0"/>
   <p:txStyles>
     <p:titleStyle>
@@ -5219,6 +5366,14 @@
   <p:clrMapOvr>
     <a:masterClrMapping/>
   </p:clrMapOvr>
+  <mc:AlternateContent xmlns:mc="http://schemas.openxmlformats.org/markup-compatibility/2006" xmlns:p14="http://schemas.microsoft.com/office/powerpoint/2010/main">
+    <mc:Choice Requires="p14">
+      <p:transition spd="slow" p14:dur="2000"/>
+    </mc:Choice>
+    <mc:Fallback xmlns="">
+      <p:transition spd="slow"/>
+    </mc:Fallback>
+  </mc:AlternateContent>
   <p:timing>
     <p:tnLst>
       <p:par>
@@ -5418,6 +5573,14 @@
   <p:clrMapOvr>
     <a:masterClrMapping/>
   </p:clrMapOvr>
+  <mc:AlternateContent xmlns:mc="http://schemas.openxmlformats.org/markup-compatibility/2006" xmlns:p14="http://schemas.microsoft.com/office/powerpoint/2010/main">
+    <mc:Choice Requires="p14">
+      <p:transition spd="slow" p14:dur="2000"/>
+    </mc:Choice>
+    <mc:Fallback xmlns="">
+      <p:transition spd="slow"/>
+    </mc:Fallback>
+  </mc:AlternateContent>
 </p:sld>
 </file>
 
@@ -5593,6 +5756,14 @@
   <p:clrMapOvr>
     <a:masterClrMapping/>
   </p:clrMapOvr>
+  <mc:AlternateContent xmlns:mc="http://schemas.openxmlformats.org/markup-compatibility/2006" xmlns:p14="http://schemas.microsoft.com/office/powerpoint/2010/main">
+    <mc:Choice Requires="p14">
+      <p:transition spd="slow" p14:dur="2000"/>
+    </mc:Choice>
+    <mc:Fallback xmlns="">
+      <p:transition spd="slow"/>
+    </mc:Fallback>
+  </mc:AlternateContent>
 </p:sld>
 </file>
 
@@ -5803,6 +5974,14 @@
   <p:clrMapOvr>
     <a:masterClrMapping/>
   </p:clrMapOvr>
+  <mc:AlternateContent xmlns:mc="http://schemas.openxmlformats.org/markup-compatibility/2006" xmlns:p14="http://schemas.microsoft.com/office/powerpoint/2010/main">
+    <mc:Choice Requires="p14">
+      <p:transition spd="slow" p14:dur="2000"/>
+    </mc:Choice>
+    <mc:Fallback xmlns="">
+      <p:transition spd="slow"/>
+    </mc:Fallback>
+  </mc:AlternateContent>
 </p:sld>
 </file>
 
@@ -6025,6 +6204,14 @@
   <p:clrMapOvr>
     <a:masterClrMapping/>
   </p:clrMapOvr>
+  <mc:AlternateContent xmlns:mc="http://schemas.openxmlformats.org/markup-compatibility/2006" xmlns:p14="http://schemas.microsoft.com/office/powerpoint/2010/main">
+    <mc:Choice Requires="p14">
+      <p:transition spd="slow" p14:dur="2000"/>
+    </mc:Choice>
+    <mc:Fallback xmlns="">
+      <p:transition spd="slow"/>
+    </mc:Fallback>
+  </mc:AlternateContent>
 </p:sld>
 </file>
 
@@ -6216,6 +6403,14 @@
   <p:clrMapOvr>
     <a:masterClrMapping/>
   </p:clrMapOvr>
+  <mc:AlternateContent xmlns:mc="http://schemas.openxmlformats.org/markup-compatibility/2006" xmlns:p14="http://schemas.microsoft.com/office/powerpoint/2010/main">
+    <mc:Choice Requires="p14">
+      <p:transition spd="slow" p14:dur="2000"/>
+    </mc:Choice>
+    <mc:Fallback xmlns="">
+      <p:transition spd="slow"/>
+    </mc:Fallback>
+  </mc:AlternateContent>
 </p:sld>
 </file>
 
@@ -6398,6 +6593,14 @@
   <p:clrMapOvr>
     <a:masterClrMapping/>
   </p:clrMapOvr>
+  <mc:AlternateContent xmlns:mc="http://schemas.openxmlformats.org/markup-compatibility/2006" xmlns:p14="http://schemas.microsoft.com/office/powerpoint/2010/main">
+    <mc:Choice Requires="p14">
+      <p:transition spd="slow" p14:dur="2000"/>
+    </mc:Choice>
+    <mc:Fallback xmlns="">
+      <p:transition spd="slow"/>
+    </mc:Fallback>
+  </mc:AlternateContent>
 </p:sld>
 </file>
 
@@ -6530,6 +6733,14 @@
   <p:clrMapOvr>
     <a:masterClrMapping/>
   </p:clrMapOvr>
+  <mc:AlternateContent xmlns:mc="http://schemas.openxmlformats.org/markup-compatibility/2006" xmlns:p14="http://schemas.microsoft.com/office/powerpoint/2010/main">
+    <mc:Choice Requires="p14">
+      <p:transition spd="slow" p14:dur="2000"/>
+    </mc:Choice>
+    <mc:Fallback xmlns="">
+      <p:transition spd="slow"/>
+    </mc:Fallback>
+  </mc:AlternateContent>
 </p:sld>
 </file>
 
@@ -6694,6 +6905,14 @@
   <p:clrMapOvr>
     <a:masterClrMapping/>
   </p:clrMapOvr>
+  <mc:AlternateContent xmlns:mc="http://schemas.openxmlformats.org/markup-compatibility/2006" xmlns:p14="http://schemas.microsoft.com/office/powerpoint/2010/main">
+    <mc:Choice Requires="p14">
+      <p:transition spd="slow" p14:dur="2000"/>
+    </mc:Choice>
+    <mc:Fallback xmlns="">
+      <p:transition spd="slow"/>
+    </mc:Fallback>
+  </mc:AlternateContent>
 </p:sld>
 </file>
 
@@ -6936,6 +7155,14 @@
   <p:clrMapOvr>
     <a:masterClrMapping/>
   </p:clrMapOvr>
+  <mc:AlternateContent xmlns:mc="http://schemas.openxmlformats.org/markup-compatibility/2006" xmlns:p14="http://schemas.microsoft.com/office/powerpoint/2010/main">
+    <mc:Choice Requires="p14">
+      <p:transition spd="slow" p14:dur="2000"/>
+    </mc:Choice>
+    <mc:Fallback xmlns="">
+      <p:transition spd="slow"/>
+    </mc:Fallback>
+  </mc:AlternateContent>
 </p:sld>
 </file>
 
@@ -7133,6 +7360,14 @@
   <p:clrMapOvr>
     <a:masterClrMapping/>
   </p:clrMapOvr>
+  <mc:AlternateContent xmlns:mc="http://schemas.openxmlformats.org/markup-compatibility/2006" xmlns:p14="http://schemas.microsoft.com/office/powerpoint/2010/main">
+    <mc:Choice Requires="p14">
+      <p:transition spd="slow" p14:dur="2000"/>
+    </mc:Choice>
+    <mc:Fallback xmlns="">
+      <p:transition spd="slow"/>
+    </mc:Fallback>
+  </mc:AlternateContent>
 </p:sld>
 </file>
 
@@ -7300,6 +7535,14 @@
   <p:clrMapOvr>
     <a:masterClrMapping/>
   </p:clrMapOvr>
+  <mc:AlternateContent xmlns:mc="http://schemas.openxmlformats.org/markup-compatibility/2006" xmlns:p14="http://schemas.microsoft.com/office/powerpoint/2010/main">
+    <mc:Choice Requires="p14">
+      <p:transition spd="slow" p14:dur="2000"/>
+    </mc:Choice>
+    <mc:Fallback xmlns="">
+      <p:transition spd="slow"/>
+    </mc:Fallback>
+  </mc:AlternateContent>
   <p:timing>
     <p:tnLst>
       <p:par>
@@ -7478,6 +7721,14 @@
   <p:clrMapOvr>
     <a:masterClrMapping/>
   </p:clrMapOvr>
+  <mc:AlternateContent xmlns:mc="http://schemas.openxmlformats.org/markup-compatibility/2006" xmlns:p14="http://schemas.microsoft.com/office/powerpoint/2010/main">
+    <mc:Choice Requires="p14">
+      <p:transition spd="slow" p14:dur="2000"/>
+    </mc:Choice>
+    <mc:Fallback xmlns="">
+      <p:transition spd="slow"/>
+    </mc:Fallback>
+  </mc:AlternateContent>
 </p:sld>
 </file>
 
@@ -7690,6 +7941,14 @@
   <p:clrMapOvr>
     <a:masterClrMapping/>
   </p:clrMapOvr>
+  <mc:AlternateContent xmlns:mc="http://schemas.openxmlformats.org/markup-compatibility/2006" xmlns:p14="http://schemas.microsoft.com/office/powerpoint/2010/main">
+    <mc:Choice Requires="p14">
+      <p:transition spd="slow" p14:dur="2000"/>
+    </mc:Choice>
+    <mc:Fallback xmlns="">
+      <p:transition spd="slow"/>
+    </mc:Fallback>
+  </mc:AlternateContent>
 </p:sld>
 </file>
 
@@ -7892,6 +8151,14 @@
   <p:clrMapOvr>
     <a:masterClrMapping/>
   </p:clrMapOvr>
+  <mc:AlternateContent xmlns:mc="http://schemas.openxmlformats.org/markup-compatibility/2006" xmlns:p14="http://schemas.microsoft.com/office/powerpoint/2010/main">
+    <mc:Choice Requires="p14">
+      <p:transition spd="slow" p14:dur="2000"/>
+    </mc:Choice>
+    <mc:Fallback xmlns="">
+      <p:transition spd="slow"/>
+    </mc:Fallback>
+  </mc:AlternateContent>
 </p:sld>
 </file>
 
@@ -8029,26 +8296,8 @@
                 <a:latin typeface="Arial" charset="0"/>
                 <a:ea typeface="ＭＳ Ｐゴシック" pitchFamily="34" charset="-128"/>
               </a:rPr>
-              <a:t>Fiction </a:t>
-            </a:r>
-            <a:r>
-              <a:rPr lang="en-US" dirty="0" err="1" smtClean="0">
-                <a:latin typeface="Arial" charset="0"/>
-                <a:ea typeface="ＭＳ Ｐゴシック" pitchFamily="34" charset="-128"/>
-              </a:rPr>
-              <a:t>vs</a:t>
-            </a:r>
-            <a:r>
-              <a:rPr lang="en-US" smtClean="0">
-                <a:latin typeface="Arial" charset="0"/>
-                <a:ea typeface="ＭＳ Ｐゴシック" pitchFamily="34" charset="-128"/>
-              </a:rPr>
-              <a:t> nonfiction</a:t>
-            </a:r>
-            <a:endParaRPr lang="en-US" dirty="0" smtClean="0">
-              <a:latin typeface="Arial" charset="0"/>
-              <a:ea typeface="ＭＳ Ｐゴシック" pitchFamily="34" charset="-128"/>
-            </a:endParaRPr>
+              <a:t>Fiction vs nonfiction</a:t>
+            </a:r>
           </a:p>
           <a:p>
             <a:pPr marL="857250" lvl="1" indent="-457200">
@@ -8138,6 +8387,14 @@
   <p:clrMapOvr>
     <a:masterClrMapping/>
   </p:clrMapOvr>
+  <mc:AlternateContent xmlns:mc="http://schemas.openxmlformats.org/markup-compatibility/2006" xmlns:p14="http://schemas.microsoft.com/office/powerpoint/2010/main">
+    <mc:Choice Requires="p14">
+      <p:transition spd="slow" p14:dur="2000"/>
+    </mc:Choice>
+    <mc:Fallback xmlns="">
+      <p:transition spd="slow"/>
+    </mc:Fallback>
+  </mc:AlternateContent>
 </p:sld>
 </file>
 
@@ -8308,6 +8565,14 @@
   <p:clrMapOvr>
     <a:masterClrMapping/>
   </p:clrMapOvr>
+  <mc:AlternateContent xmlns:mc="http://schemas.openxmlformats.org/markup-compatibility/2006" xmlns:p14="http://schemas.microsoft.com/office/powerpoint/2010/main">
+    <mc:Choice Requires="p14">
+      <p:transition spd="slow" p14:dur="2000"/>
+    </mc:Choice>
+    <mc:Fallback xmlns="">
+      <p:transition spd="slow"/>
+    </mc:Fallback>
+  </mc:AlternateContent>
 </p:sld>
 </file>
 
@@ -8544,6 +8809,14 @@
   <p:clrMapOvr>
     <a:masterClrMapping/>
   </p:clrMapOvr>
+  <mc:AlternateContent xmlns:mc="http://schemas.openxmlformats.org/markup-compatibility/2006" xmlns:p14="http://schemas.microsoft.com/office/powerpoint/2010/main">
+    <mc:Choice Requires="p14">
+      <p:transition spd="slow" p14:dur="2000"/>
+    </mc:Choice>
+    <mc:Fallback xmlns="">
+      <p:transition spd="slow"/>
+    </mc:Fallback>
+  </mc:AlternateContent>
 </p:sld>
 </file>
 
@@ -8638,7 +8911,11 @@
           <a:p>
             <a:r>
               <a:rPr lang="en-US" dirty="0" smtClean="0"/>
-              <a:t>workable since it was first created in 1908. </a:t>
+              <a:t>workable </a:t>
+            </a:r>
+            <a:r>
+              <a:rPr lang="en-US" dirty="0" smtClean="0"/>
+              <a:t>since it was first created in 1908. </a:t>
             </a:r>
           </a:p>
           <a:p>
@@ -8646,7 +8923,7 @@
               <a:rPr lang="en-US" dirty="0" smtClean="0"/>
               <a:t>As consumers shift from physical books to e-books, and from CDs to MP3s, first sale may no longer make sense.</a:t>
             </a:r>
-            <a:endParaRPr lang="ja-JP" altLang="en-US" smtClean="0">
+            <a:endParaRPr lang="ja-JP" altLang="en-US" dirty="0" smtClean="0">
               <a:latin typeface="Arial" charset="0"/>
               <a:cs typeface="Arial" charset="0"/>
             </a:endParaRPr>
@@ -8713,6 +8990,14 @@
   <p:clrMapOvr>
     <a:masterClrMapping/>
   </p:clrMapOvr>
+  <mc:AlternateContent xmlns:mc="http://schemas.openxmlformats.org/markup-compatibility/2006" xmlns:p14="http://schemas.microsoft.com/office/powerpoint/2010/main">
+    <mc:Choice Requires="p14">
+      <p:transition spd="slow" p14:dur="2000"/>
+    </mc:Choice>
+    <mc:Fallback xmlns="">
+      <p:transition spd="slow"/>
+    </mc:Fallback>
+  </mc:AlternateContent>
 </p:sld>
 </file>
 
@@ -8939,6 +9224,14 @@
   <p:clrMapOvr>
     <a:masterClrMapping/>
   </p:clrMapOvr>
+  <mc:AlternateContent xmlns:mc="http://schemas.openxmlformats.org/markup-compatibility/2006" xmlns:p14="http://schemas.microsoft.com/office/powerpoint/2010/main">
+    <mc:Choice Requires="p14">
+      <p:transition spd="slow" p14:dur="2000"/>
+    </mc:Choice>
+    <mc:Fallback xmlns="">
+      <p:transition spd="slow"/>
+    </mc:Fallback>
+  </mc:AlternateContent>
 </p:sld>
 </file>
 
@@ -9071,6 +9364,14 @@
   <p:clrMapOvr>
     <a:masterClrMapping/>
   </p:clrMapOvr>
+  <mc:AlternateContent xmlns:mc="http://schemas.openxmlformats.org/markup-compatibility/2006" xmlns:p14="http://schemas.microsoft.com/office/powerpoint/2010/main">
+    <mc:Choice Requires="p14">
+      <p:transition spd="slow" p14:dur="2000"/>
+    </mc:Choice>
+    <mc:Fallback xmlns="">
+      <p:transition spd="slow"/>
+    </mc:Fallback>
+  </mc:AlternateContent>
 </p:sld>
 </file>
 
@@ -9215,6 +9516,14 @@
   <p:clrMapOvr>
     <a:masterClrMapping/>
   </p:clrMapOvr>
+  <mc:AlternateContent xmlns:mc="http://schemas.openxmlformats.org/markup-compatibility/2006" xmlns:p14="http://schemas.microsoft.com/office/powerpoint/2010/main">
+    <mc:Choice Requires="p14">
+      <p:transition spd="slow" p14:dur="2000"/>
+    </mc:Choice>
+    <mc:Fallback xmlns="">
+      <p:transition spd="slow"/>
+    </mc:Fallback>
+  </mc:AlternateContent>
 </p:sld>
 </file>
 
@@ -9371,6 +9680,14 @@
   <p:clrMapOvr>
     <a:masterClrMapping/>
   </p:clrMapOvr>
+  <mc:AlternateContent xmlns:mc="http://schemas.openxmlformats.org/markup-compatibility/2006" xmlns:p14="http://schemas.microsoft.com/office/powerpoint/2010/main">
+    <mc:Choice Requires="p14">
+      <p:transition spd="slow" p14:dur="2000"/>
+    </mc:Choice>
+    <mc:Fallback xmlns="">
+      <p:transition spd="slow"/>
+    </mc:Fallback>
+  </mc:AlternateContent>
   <p:timing>
     <p:tnLst>
       <p:par>
@@ -9537,6 +9854,14 @@
   <p:clrMapOvr>
     <a:masterClrMapping/>
   </p:clrMapOvr>
+  <mc:AlternateContent xmlns:mc="http://schemas.openxmlformats.org/markup-compatibility/2006" xmlns:p14="http://schemas.microsoft.com/office/powerpoint/2010/main">
+    <mc:Choice Requires="p14">
+      <p:transition spd="slow" p14:dur="2000"/>
+    </mc:Choice>
+    <mc:Fallback xmlns="">
+      <p:transition spd="slow"/>
+    </mc:Fallback>
+  </mc:AlternateContent>
 </p:sld>
 </file>
 
@@ -9675,6 +10000,14 @@
   <p:clrMapOvr>
     <a:masterClrMapping/>
   </p:clrMapOvr>
+  <mc:AlternateContent xmlns:mc="http://schemas.openxmlformats.org/markup-compatibility/2006" xmlns:p14="http://schemas.microsoft.com/office/powerpoint/2010/main">
+    <mc:Choice Requires="p14">
+      <p:transition spd="slow" p14:dur="2000"/>
+    </mc:Choice>
+    <mc:Fallback xmlns="">
+      <p:transition spd="slow"/>
+    </mc:Fallback>
+  </mc:AlternateContent>
 </p:sld>
 </file>
 
@@ -9922,6 +10255,14 @@
   <p:clrMapOvr>
     <a:masterClrMapping/>
   </p:clrMapOvr>
+  <mc:AlternateContent xmlns:mc="http://schemas.openxmlformats.org/markup-compatibility/2006" xmlns:p14="http://schemas.microsoft.com/office/powerpoint/2010/main">
+    <mc:Choice Requires="p14">
+      <p:transition spd="slow" p14:dur="2000"/>
+    </mc:Choice>
+    <mc:Fallback xmlns="">
+      <p:transition spd="slow"/>
+    </mc:Fallback>
+  </mc:AlternateContent>
 </p:sld>
 </file>
 
@@ -10153,6 +10494,14 @@
   <p:clrMapOvr>
     <a:masterClrMapping/>
   </p:clrMapOvr>
+  <mc:AlternateContent xmlns:mc="http://schemas.openxmlformats.org/markup-compatibility/2006" xmlns:p14="http://schemas.microsoft.com/office/powerpoint/2010/main">
+    <mc:Choice Requires="p14">
+      <p:transition spd="slow" p14:dur="2000"/>
+    </mc:Choice>
+    <mc:Fallback xmlns="">
+      <p:transition spd="slow"/>
+    </mc:Fallback>
+  </mc:AlternateContent>
 </p:sld>
 </file>
 
@@ -10339,6 +10688,14 @@
   <p:clrMapOvr>
     <a:masterClrMapping/>
   </p:clrMapOvr>
+  <mc:AlternateContent xmlns:mc="http://schemas.openxmlformats.org/markup-compatibility/2006" xmlns:p14="http://schemas.microsoft.com/office/powerpoint/2010/main">
+    <mc:Choice Requires="p14">
+      <p:transition spd="slow" p14:dur="2000"/>
+    </mc:Choice>
+    <mc:Fallback xmlns="">
+      <p:transition spd="slow"/>
+    </mc:Fallback>
+  </mc:AlternateContent>
 </p:sld>
 </file>
 
@@ -10510,6 +10867,14 @@
   <p:clrMapOvr>
     <a:masterClrMapping/>
   </p:clrMapOvr>
+  <mc:AlternateContent xmlns:mc="http://schemas.openxmlformats.org/markup-compatibility/2006" xmlns:p14="http://schemas.microsoft.com/office/powerpoint/2010/main">
+    <mc:Choice Requires="p14">
+      <p:transition spd="slow" p14:dur="2000"/>
+    </mc:Choice>
+    <mc:Fallback xmlns="">
+      <p:transition spd="slow"/>
+    </mc:Fallback>
+  </mc:AlternateContent>
 </p:sld>
 </file>
 
@@ -10670,6 +11035,14 @@
   <p:clrMapOvr>
     <a:masterClrMapping/>
   </p:clrMapOvr>
+  <mc:AlternateContent xmlns:mc="http://schemas.openxmlformats.org/markup-compatibility/2006" xmlns:p14="http://schemas.microsoft.com/office/powerpoint/2010/main">
+    <mc:Choice Requires="p14">
+      <p:transition spd="slow" p14:dur="2000"/>
+    </mc:Choice>
+    <mc:Fallback xmlns="">
+      <p:transition spd="slow"/>
+    </mc:Fallback>
+  </mc:AlternateContent>
 </p:sld>
 </file>
 
@@ -10887,6 +11260,14 @@
   <p:clrMapOvr>
     <a:masterClrMapping/>
   </p:clrMapOvr>
+  <mc:AlternateContent xmlns:mc="http://schemas.openxmlformats.org/markup-compatibility/2006" xmlns:p14="http://schemas.microsoft.com/office/powerpoint/2010/main">
+    <mc:Choice Requires="p14">
+      <p:transition spd="slow" p14:dur="2000"/>
+    </mc:Choice>
+    <mc:Fallback xmlns="">
+      <p:transition spd="slow"/>
+    </mc:Fallback>
+  </mc:AlternateContent>
 </p:sld>
 </file>
 
@@ -11057,6 +11438,14 @@
   <p:clrMapOvr>
     <a:masterClrMapping/>
   </p:clrMapOvr>
+  <mc:AlternateContent xmlns:mc="http://schemas.openxmlformats.org/markup-compatibility/2006" xmlns:p14="http://schemas.microsoft.com/office/powerpoint/2010/main">
+    <mc:Choice Requires="p14">
+      <p:transition spd="slow" p14:dur="2000"/>
+    </mc:Choice>
+    <mc:Fallback xmlns="">
+      <p:transition spd="slow"/>
+    </mc:Fallback>
+  </mc:AlternateContent>
 </p:sld>
 </file>
 
@@ -11292,6 +11681,14 @@
   <p:clrMapOvr>
     <a:masterClrMapping/>
   </p:clrMapOvr>
+  <mc:AlternateContent xmlns:mc="http://schemas.openxmlformats.org/markup-compatibility/2006" xmlns:p14="http://schemas.microsoft.com/office/powerpoint/2010/main">
+    <mc:Choice Requires="p14">
+      <p:transition spd="slow" p14:dur="2000"/>
+    </mc:Choice>
+    <mc:Fallback xmlns="">
+      <p:transition spd="slow"/>
+    </mc:Fallback>
+  </mc:AlternateContent>
 </p:sld>
 </file>
 
@@ -11447,6 +11844,14 @@
   <p:clrMapOvr>
     <a:masterClrMapping/>
   </p:clrMapOvr>
+  <mc:AlternateContent xmlns:mc="http://schemas.openxmlformats.org/markup-compatibility/2006" xmlns:p14="http://schemas.microsoft.com/office/powerpoint/2010/main">
+    <mc:Choice Requires="p14">
+      <p:transition spd="slow" p14:dur="2000"/>
+    </mc:Choice>
+    <mc:Fallback xmlns="">
+      <p:transition spd="slow"/>
+    </mc:Fallback>
+  </mc:AlternateContent>
   <p:timing>
     <p:tnLst>
       <p:par>
@@ -11665,6 +12070,14 @@
   <p:clrMapOvr>
     <a:masterClrMapping/>
   </p:clrMapOvr>
+  <mc:AlternateContent xmlns:mc="http://schemas.openxmlformats.org/markup-compatibility/2006" xmlns:p14="http://schemas.microsoft.com/office/powerpoint/2010/main">
+    <mc:Choice Requires="p14">
+      <p:transition spd="slow" p14:dur="2000"/>
+    </mc:Choice>
+    <mc:Fallback xmlns="">
+      <p:transition spd="slow"/>
+    </mc:Fallback>
+  </mc:AlternateContent>
 </p:sld>
 </file>
 
@@ -11821,6 +12234,14 @@
   <p:clrMapOvr>
     <a:masterClrMapping/>
   </p:clrMapOvr>
+  <mc:AlternateContent xmlns:mc="http://schemas.openxmlformats.org/markup-compatibility/2006" xmlns:p14="http://schemas.microsoft.com/office/powerpoint/2010/main">
+    <mc:Choice Requires="p14">
+      <p:transition spd="slow" p14:dur="2000"/>
+    </mc:Choice>
+    <mc:Fallback xmlns="">
+      <p:transition spd="slow"/>
+    </mc:Fallback>
+  </mc:AlternateContent>
 </p:sld>
 </file>
 
@@ -12002,6 +12423,14 @@
   <p:clrMapOvr>
     <a:masterClrMapping/>
   </p:clrMapOvr>
+  <mc:AlternateContent xmlns:mc="http://schemas.openxmlformats.org/markup-compatibility/2006" xmlns:p14="http://schemas.microsoft.com/office/powerpoint/2010/main">
+    <mc:Choice Requires="p14">
+      <p:transition spd="slow" p14:dur="2000"/>
+    </mc:Choice>
+    <mc:Fallback xmlns="">
+      <p:transition spd="slow"/>
+    </mc:Fallback>
+  </mc:AlternateContent>
 </p:sld>
 </file>
 
@@ -12137,6 +12566,14 @@
   <p:clrMapOvr>
     <a:masterClrMapping/>
   </p:clrMapOvr>
+  <mc:AlternateContent xmlns:mc="http://schemas.openxmlformats.org/markup-compatibility/2006" xmlns:p14="http://schemas.microsoft.com/office/powerpoint/2010/main">
+    <mc:Choice Requires="p14">
+      <p:transition spd="slow" p14:dur="2000"/>
+    </mc:Choice>
+    <mc:Fallback xmlns="">
+      <p:transition spd="slow"/>
+    </mc:Fallback>
+  </mc:AlternateContent>
 </p:sld>
 </file>
 
@@ -12368,6 +12805,14 @@
   <p:clrMapOvr>
     <a:masterClrMapping/>
   </p:clrMapOvr>
+  <mc:AlternateContent xmlns:mc="http://schemas.openxmlformats.org/markup-compatibility/2006" xmlns:p14="http://schemas.microsoft.com/office/powerpoint/2010/main">
+    <mc:Choice Requires="p14">
+      <p:transition spd="slow" p14:dur="2000"/>
+    </mc:Choice>
+    <mc:Fallback xmlns="">
+      <p:transition spd="slow"/>
+    </mc:Fallback>
+  </mc:AlternateContent>
 </p:sld>
 </file>
 
@@ -12556,6 +13001,14 @@
   <p:clrMapOvr>
     <a:masterClrMapping/>
   </p:clrMapOvr>
+  <mc:AlternateContent xmlns:mc="http://schemas.openxmlformats.org/markup-compatibility/2006" xmlns:p14="http://schemas.microsoft.com/office/powerpoint/2010/main">
+    <mc:Choice Requires="p14">
+      <p:transition spd="slow" p14:dur="2000"/>
+    </mc:Choice>
+    <mc:Fallback xmlns="">
+      <p:transition spd="slow"/>
+    </mc:Fallback>
+  </mc:AlternateContent>
 </p:sld>
 </file>
 
@@ -12694,6 +13147,14 @@
   <p:clrMapOvr>
     <a:masterClrMapping/>
   </p:clrMapOvr>
+  <mc:AlternateContent xmlns:mc="http://schemas.openxmlformats.org/markup-compatibility/2006" xmlns:p14="http://schemas.microsoft.com/office/powerpoint/2010/main">
+    <mc:Choice Requires="p14">
+      <p:transition spd="slow" p14:dur="2000"/>
+    </mc:Choice>
+    <mc:Fallback xmlns="">
+      <p:transition spd="slow"/>
+    </mc:Fallback>
+  </mc:AlternateContent>
 </p:sld>
 </file>
 
@@ -12857,6 +13318,14 @@
   <p:clrMapOvr>
     <a:masterClrMapping/>
   </p:clrMapOvr>
+  <mc:AlternateContent xmlns:mc="http://schemas.openxmlformats.org/markup-compatibility/2006" xmlns:p14="http://schemas.microsoft.com/office/powerpoint/2010/main">
+    <mc:Choice Requires="p14">
+      <p:transition spd="slow" p14:dur="2000"/>
+    </mc:Choice>
+    <mc:Fallback xmlns="">
+      <p:transition spd="slow"/>
+    </mc:Fallback>
+  </mc:AlternateContent>
 </p:sld>
 </file>
 
@@ -13028,6 +13497,14 @@
   <p:clrMapOvr>
     <a:masterClrMapping/>
   </p:clrMapOvr>
+  <mc:AlternateContent xmlns:mc="http://schemas.openxmlformats.org/markup-compatibility/2006" xmlns:p14="http://schemas.microsoft.com/office/powerpoint/2010/main">
+    <mc:Choice Requires="p14">
+      <p:transition spd="slow" p14:dur="2000"/>
+    </mc:Choice>
+    <mc:Fallback xmlns="">
+      <p:transition spd="slow"/>
+    </mc:Fallback>
+  </mc:AlternateContent>
 </p:sld>
 </file>
 
@@ -13209,6 +13686,14 @@
   <p:clrMapOvr>
     <a:masterClrMapping/>
   </p:clrMapOvr>
+  <mc:AlternateContent xmlns:mc="http://schemas.openxmlformats.org/markup-compatibility/2006" xmlns:p14="http://schemas.microsoft.com/office/powerpoint/2010/main">
+    <mc:Choice Requires="p14">
+      <p:transition spd="slow" p14:dur="2000"/>
+    </mc:Choice>
+    <mc:Fallback xmlns="">
+      <p:transition spd="slow"/>
+    </mc:Fallback>
+  </mc:AlternateContent>
 </p:sld>
 </file>
 
@@ -13376,6 +13861,14 @@
   <p:clrMapOvr>
     <a:masterClrMapping/>
   </p:clrMapOvr>
+  <mc:AlternateContent xmlns:mc="http://schemas.openxmlformats.org/markup-compatibility/2006" xmlns:p14="http://schemas.microsoft.com/office/powerpoint/2010/main">
+    <mc:Choice Requires="p14">
+      <p:transition spd="slow" p14:dur="2000"/>
+    </mc:Choice>
+    <mc:Fallback xmlns="">
+      <p:transition spd="slow"/>
+    </mc:Fallback>
+  </mc:AlternateContent>
 </p:sld>
 </file>
 
@@ -13631,6 +14124,14 @@
   <p:clrMapOvr>
     <a:masterClrMapping/>
   </p:clrMapOvr>
+  <mc:AlternateContent xmlns:mc="http://schemas.openxmlformats.org/markup-compatibility/2006" xmlns:p14="http://schemas.microsoft.com/office/powerpoint/2010/main">
+    <mc:Choice Requires="p14">
+      <p:transition spd="slow" p14:dur="2000"/>
+    </mc:Choice>
+    <mc:Fallback xmlns="">
+      <p:transition spd="slow"/>
+    </mc:Fallback>
+  </mc:AlternateContent>
 </p:sld>
 </file>
 
@@ -13809,6 +14310,14 @@
   <p:clrMapOvr>
     <a:masterClrMapping/>
   </p:clrMapOvr>
+  <mc:AlternateContent xmlns:mc="http://schemas.openxmlformats.org/markup-compatibility/2006" xmlns:p14="http://schemas.microsoft.com/office/powerpoint/2010/main">
+    <mc:Choice Requires="p14">
+      <p:transition spd="slow" p14:dur="2000"/>
+    </mc:Choice>
+    <mc:Fallback xmlns="">
+      <p:transition spd="slow"/>
+    </mc:Fallback>
+  </mc:AlternateContent>
 </p:sld>
 </file>
 
@@ -13991,6 +14500,14 @@
   <p:clrMapOvr>
     <a:masterClrMapping/>
   </p:clrMapOvr>
+  <mc:AlternateContent xmlns:mc="http://schemas.openxmlformats.org/markup-compatibility/2006" xmlns:p14="http://schemas.microsoft.com/office/powerpoint/2010/main">
+    <mc:Choice Requires="p14">
+      <p:transition spd="slow" p14:dur="2000"/>
+    </mc:Choice>
+    <mc:Fallback xmlns="">
+      <p:transition spd="slow"/>
+    </mc:Fallback>
+  </mc:AlternateContent>
 </p:sld>
 </file>
 
@@ -14179,6 +14696,14 @@
   <p:clrMapOvr>
     <a:masterClrMapping/>
   </p:clrMapOvr>
+  <mc:AlternateContent xmlns:mc="http://schemas.openxmlformats.org/markup-compatibility/2006" xmlns:p14="http://schemas.microsoft.com/office/powerpoint/2010/main">
+    <mc:Choice Requires="p14">
+      <p:transition spd="slow" p14:dur="2000"/>
+    </mc:Choice>
+    <mc:Fallback xmlns="">
+      <p:transition spd="slow"/>
+    </mc:Fallback>
+  </mc:AlternateContent>
 </p:sld>
 </file>
 
@@ -14384,6 +14909,14 @@
   <p:clrMapOvr>
     <a:masterClrMapping/>
   </p:clrMapOvr>
+  <mc:AlternateContent xmlns:mc="http://schemas.openxmlformats.org/markup-compatibility/2006" xmlns:p14="http://schemas.microsoft.com/office/powerpoint/2010/main">
+    <mc:Choice Requires="p14">
+      <p:transition spd="slow" p14:dur="2000"/>
+    </mc:Choice>
+    <mc:Fallback xmlns="">
+      <p:transition spd="slow"/>
+    </mc:Fallback>
+  </mc:AlternateContent>
 </p:sld>
 </file>
 
@@ -14565,6 +15098,14 @@
   <p:clrMapOvr>
     <a:masterClrMapping/>
   </p:clrMapOvr>
+  <mc:AlternateContent xmlns:mc="http://schemas.openxmlformats.org/markup-compatibility/2006" xmlns:p14="http://schemas.microsoft.com/office/powerpoint/2010/main">
+    <mc:Choice Requires="p14">
+      <p:transition spd="slow" p14:dur="2000"/>
+    </mc:Choice>
+    <mc:Fallback xmlns="">
+      <p:transition spd="slow"/>
+    </mc:Fallback>
+  </mc:AlternateContent>
 </p:sld>
 </file>
 
@@ -14730,6 +15271,14 @@
   <p:clrMapOvr>
     <a:masterClrMapping/>
   </p:clrMapOvr>
+  <mc:AlternateContent xmlns:mc="http://schemas.openxmlformats.org/markup-compatibility/2006" xmlns:p14="http://schemas.microsoft.com/office/powerpoint/2010/main">
+    <mc:Choice Requires="p14">
+      <p:transition spd="slow" p14:dur="2000"/>
+    </mc:Choice>
+    <mc:Fallback xmlns="">
+      <p:transition spd="slow"/>
+    </mc:Fallback>
+  </mc:AlternateContent>
 </p:sld>
 </file>
 
@@ -14883,6 +15432,14 @@
   <p:clrMapOvr>
     <a:masterClrMapping/>
   </p:clrMapOvr>
+  <mc:AlternateContent xmlns:mc="http://schemas.openxmlformats.org/markup-compatibility/2006" xmlns:p14="http://schemas.microsoft.com/office/powerpoint/2010/main">
+    <mc:Choice Requires="p14">
+      <p:transition spd="slow" p14:dur="2000"/>
+    </mc:Choice>
+    <mc:Fallback xmlns="">
+      <p:transition spd="slow"/>
+    </mc:Fallback>
+  </mc:AlternateContent>
 </p:sld>
 </file>
 
@@ -15047,6 +15604,14 @@
   <p:clrMapOvr>
     <a:masterClrMapping/>
   </p:clrMapOvr>
+  <mc:AlternateContent xmlns:mc="http://schemas.openxmlformats.org/markup-compatibility/2006" xmlns:p14="http://schemas.microsoft.com/office/powerpoint/2010/main">
+    <mc:Choice Requires="p14">
+      <p:transition spd="slow" p14:dur="2000"/>
+    </mc:Choice>
+    <mc:Fallback xmlns="">
+      <p:transition spd="slow"/>
+    </mc:Fallback>
+  </mc:AlternateContent>
 </p:sld>
 </file>
 
@@ -15197,6 +15762,14 @@
   <p:clrMapOvr>
     <a:masterClrMapping/>
   </p:clrMapOvr>
+  <mc:AlternateContent xmlns:mc="http://schemas.openxmlformats.org/markup-compatibility/2006" xmlns:p14="http://schemas.microsoft.com/office/powerpoint/2010/main">
+    <mc:Choice Requires="p14">
+      <p:transition spd="slow" p14:dur="2000"/>
+    </mc:Choice>
+    <mc:Fallback xmlns="">
+      <p:transition spd="slow"/>
+    </mc:Fallback>
+  </mc:AlternateContent>
 </p:sld>
 </file>
 
@@ -15329,6 +15902,14 @@
   <p:clrMapOvr>
     <a:masterClrMapping/>
   </p:clrMapOvr>
+  <mc:AlternateContent xmlns:mc="http://schemas.openxmlformats.org/markup-compatibility/2006" xmlns:p14="http://schemas.microsoft.com/office/powerpoint/2010/main">
+    <mc:Choice Requires="p14">
+      <p:transition spd="slow" p14:dur="2000"/>
+    </mc:Choice>
+    <mc:Fallback xmlns="">
+      <p:transition spd="slow"/>
+    </mc:Fallback>
+  </mc:AlternateContent>
   <p:timing>
     <p:tnLst>
       <p:par>
@@ -15500,6 +16081,14 @@
   <p:clrMapOvr>
     <a:masterClrMapping/>
   </p:clrMapOvr>
+  <mc:AlternateContent xmlns:mc="http://schemas.openxmlformats.org/markup-compatibility/2006" xmlns:p14="http://schemas.microsoft.com/office/powerpoint/2010/main">
+    <mc:Choice Requires="p14">
+      <p:transition spd="slow" p14:dur="2000"/>
+    </mc:Choice>
+    <mc:Fallback xmlns="">
+      <p:transition spd="slow"/>
+    </mc:Fallback>
+  </mc:AlternateContent>
 </p:sld>
 </file>
 
@@ -15660,6 +16249,14 @@
   <p:clrMapOvr>
     <a:masterClrMapping/>
   </p:clrMapOvr>
+  <mc:AlternateContent xmlns:mc="http://schemas.openxmlformats.org/markup-compatibility/2006" xmlns:p14="http://schemas.microsoft.com/office/powerpoint/2010/main">
+    <mc:Choice Requires="p14">
+      <p:transition spd="slow" p14:dur="2000"/>
+    </mc:Choice>
+    <mc:Fallback xmlns="">
+      <p:transition spd="slow"/>
+    </mc:Fallback>
+  </mc:AlternateContent>
 </p:sld>
 </file>
 
@@ -15817,6 +16414,14 @@
   <p:clrMapOvr>
     <a:masterClrMapping/>
   </p:clrMapOvr>
+  <mc:AlternateContent xmlns:mc="http://schemas.openxmlformats.org/markup-compatibility/2006" xmlns:p14="http://schemas.microsoft.com/office/powerpoint/2010/main">
+    <mc:Choice Requires="p14">
+      <p:transition spd="slow" p14:dur="2000"/>
+    </mc:Choice>
+    <mc:Fallback xmlns="">
+      <p:transition spd="slow"/>
+    </mc:Fallback>
+  </mc:AlternateContent>
 </p:sld>
 </file>
 
@@ -16004,6 +16609,14 @@
   <p:clrMapOvr>
     <a:masterClrMapping/>
   </p:clrMapOvr>
+  <mc:AlternateContent xmlns:mc="http://schemas.openxmlformats.org/markup-compatibility/2006" xmlns:p14="http://schemas.microsoft.com/office/powerpoint/2010/main">
+    <mc:Choice Requires="p14">
+      <p:transition spd="slow" p14:dur="2000"/>
+    </mc:Choice>
+    <mc:Fallback xmlns="">
+      <p:transition spd="slow"/>
+    </mc:Fallback>
+  </mc:AlternateContent>
 </p:sld>
 </file>
 
@@ -16176,6 +16789,14 @@
   <p:clrMapOvr>
     <a:masterClrMapping/>
   </p:clrMapOvr>
+  <mc:AlternateContent xmlns:mc="http://schemas.openxmlformats.org/markup-compatibility/2006" xmlns:p14="http://schemas.microsoft.com/office/powerpoint/2010/main">
+    <mc:Choice Requires="p14">
+      <p:transition spd="slow" p14:dur="2000"/>
+    </mc:Choice>
+    <mc:Fallback xmlns="">
+      <p:transition spd="slow"/>
+    </mc:Fallback>
+  </mc:AlternateContent>
 </p:sld>
 </file>
 
@@ -16342,6 +16963,14 @@
   <p:clrMapOvr>
     <a:masterClrMapping/>
   </p:clrMapOvr>
+  <mc:AlternateContent xmlns:mc="http://schemas.openxmlformats.org/markup-compatibility/2006" xmlns:p14="http://schemas.microsoft.com/office/powerpoint/2010/main">
+    <mc:Choice Requires="p14">
+      <p:transition spd="slow" p14:dur="2000"/>
+    </mc:Choice>
+    <mc:Fallback xmlns="">
+      <p:transition spd="slow"/>
+    </mc:Fallback>
+  </mc:AlternateContent>
 </p:sld>
 </file>
 
@@ -16499,6 +17128,14 @@
   <p:clrMapOvr>
     <a:masterClrMapping/>
   </p:clrMapOvr>
+  <mc:AlternateContent xmlns:mc="http://schemas.openxmlformats.org/markup-compatibility/2006" xmlns:p14="http://schemas.microsoft.com/office/powerpoint/2010/main">
+    <mc:Choice Requires="p14">
+      <p:transition spd="slow" p14:dur="2000"/>
+    </mc:Choice>
+    <mc:Fallback xmlns="">
+      <p:transition spd="slow"/>
+    </mc:Fallback>
+  </mc:AlternateContent>
 </p:sld>
 </file>
 
@@ -16692,6 +17329,14 @@
   <p:clrMapOvr>
     <a:masterClrMapping/>
   </p:clrMapOvr>
+  <mc:AlternateContent xmlns:mc="http://schemas.openxmlformats.org/markup-compatibility/2006" xmlns:p14="http://schemas.microsoft.com/office/powerpoint/2010/main">
+    <mc:Choice Requires="p14">
+      <p:transition spd="slow" p14:dur="2000"/>
+    </mc:Choice>
+    <mc:Fallback xmlns="">
+      <p:transition spd="slow"/>
+    </mc:Fallback>
+  </mc:AlternateContent>
 </p:sld>
 </file>
 
@@ -16868,6 +17513,14 @@
   <p:clrMapOvr>
     <a:masterClrMapping/>
   </p:clrMapOvr>
+  <mc:AlternateContent xmlns:mc="http://schemas.openxmlformats.org/markup-compatibility/2006" xmlns:p14="http://schemas.microsoft.com/office/powerpoint/2010/main">
+    <mc:Choice Requires="p14">
+      <p:transition spd="slow" p14:dur="2000"/>
+    </mc:Choice>
+    <mc:Fallback xmlns="">
+      <p:transition spd="slow"/>
+    </mc:Fallback>
+  </mc:AlternateContent>
 </p:sld>
 </file>
 
@@ -17020,6 +17673,14 @@
   <p:clrMapOvr>
     <a:masterClrMapping/>
   </p:clrMapOvr>
+  <mc:AlternateContent xmlns:mc="http://schemas.openxmlformats.org/markup-compatibility/2006" xmlns:p14="http://schemas.microsoft.com/office/powerpoint/2010/main">
+    <mc:Choice Requires="p14">
+      <p:transition spd="slow" p14:dur="2000"/>
+    </mc:Choice>
+    <mc:Fallback xmlns="">
+      <p:transition spd="slow"/>
+    </mc:Fallback>
+  </mc:AlternateContent>
 </p:sld>
 </file>
 
@@ -17220,6 +17881,14 @@
   <p:clrMapOvr>
     <a:masterClrMapping/>
   </p:clrMapOvr>
+  <mc:AlternateContent xmlns:mc="http://schemas.openxmlformats.org/markup-compatibility/2006" xmlns:p14="http://schemas.microsoft.com/office/powerpoint/2010/main">
+    <mc:Choice Requires="p14">
+      <p:transition spd="slow" p14:dur="2000"/>
+    </mc:Choice>
+    <mc:Fallback xmlns="">
+      <p:transition spd="slow"/>
+    </mc:Fallback>
+  </mc:AlternateContent>
   <p:timing>
     <p:tnLst>
       <p:par>
@@ -17412,6 +18081,14 @@
   <p:clrMapOvr>
     <a:masterClrMapping/>
   </p:clrMapOvr>
+  <mc:AlternateContent xmlns:mc="http://schemas.openxmlformats.org/markup-compatibility/2006" xmlns:p14="http://schemas.microsoft.com/office/powerpoint/2010/main">
+    <mc:Choice Requires="p14">
+      <p:transition spd="slow" p14:dur="2000"/>
+    </mc:Choice>
+    <mc:Fallback xmlns="">
+      <p:transition spd="slow"/>
+    </mc:Fallback>
+  </mc:AlternateContent>
 </p:sld>
 </file>
 
@@ -17574,6 +18251,14 @@
   <p:clrMapOvr>
     <a:masterClrMapping/>
   </p:clrMapOvr>
+  <mc:AlternateContent xmlns:mc="http://schemas.openxmlformats.org/markup-compatibility/2006" xmlns:p14="http://schemas.microsoft.com/office/powerpoint/2010/main">
+    <mc:Choice Requires="p14">
+      <p:transition spd="slow" p14:dur="2000"/>
+    </mc:Choice>
+    <mc:Fallback xmlns="">
+      <p:transition spd="slow"/>
+    </mc:Fallback>
+  </mc:AlternateContent>
 </p:sld>
 </file>
 
@@ -17762,6 +18447,14 @@
   <p:clrMapOvr>
     <a:masterClrMapping/>
   </p:clrMapOvr>
+  <mc:AlternateContent xmlns:mc="http://schemas.openxmlformats.org/markup-compatibility/2006" xmlns:p14="http://schemas.microsoft.com/office/powerpoint/2010/main">
+    <mc:Choice Requires="p14">
+      <p:transition spd="slow" p14:dur="2000"/>
+    </mc:Choice>
+    <mc:Fallback xmlns="">
+      <p:transition spd="slow"/>
+    </mc:Fallback>
+  </mc:AlternateContent>
 </p:sld>
 </file>
 
@@ -17910,6 +18603,14 @@
   <p:clrMapOvr>
     <a:masterClrMapping/>
   </p:clrMapOvr>
+  <mc:AlternateContent xmlns:mc="http://schemas.openxmlformats.org/markup-compatibility/2006" xmlns:p14="http://schemas.microsoft.com/office/powerpoint/2010/main">
+    <mc:Choice Requires="p14">
+      <p:transition spd="slow" p14:dur="2000"/>
+    </mc:Choice>
+    <mc:Fallback xmlns="">
+      <p:transition spd="slow"/>
+    </mc:Fallback>
+  </mc:AlternateContent>
 </p:sld>
 </file>
 
@@ -18099,6 +18800,14 @@
   <p:clrMapOvr>
     <a:masterClrMapping/>
   </p:clrMapOvr>
+  <mc:AlternateContent xmlns:mc="http://schemas.openxmlformats.org/markup-compatibility/2006" xmlns:p14="http://schemas.microsoft.com/office/powerpoint/2010/main">
+    <mc:Choice Requires="p14">
+      <p:transition spd="slow" p14:dur="2000"/>
+    </mc:Choice>
+    <mc:Fallback xmlns="">
+      <p:transition spd="slow"/>
+    </mc:Fallback>
+  </mc:AlternateContent>
 </p:sld>
 </file>
 
@@ -18287,6 +18996,14 @@
   <p:clrMapOvr>
     <a:masterClrMapping/>
   </p:clrMapOvr>
+  <mc:AlternateContent xmlns:mc="http://schemas.openxmlformats.org/markup-compatibility/2006" xmlns:p14="http://schemas.microsoft.com/office/powerpoint/2010/main">
+    <mc:Choice Requires="p14">
+      <p:transition spd="slow" p14:dur="2000"/>
+    </mc:Choice>
+    <mc:Fallback xmlns="">
+      <p:transition spd="slow"/>
+    </mc:Fallback>
+  </mc:AlternateContent>
 </p:sld>
 </file>
 
